--- a/SoSSDN Poster Template.pptx
+++ b/SoSSDN Poster Template.pptx
@@ -243,7 +243,7 @@
           <a:p>
             <a:fld id="{4F50CF8C-2C3C-4004-989F-DE494739F234}" type="datetimeFigureOut">
               <a:rPr lang="en-US" smtClean="0"/>
-              <a:t>5/31/2016</a:t>
+              <a:t>6/1/16</a:t>
             </a:fld>
             <a:endParaRPr lang="en-US"/>
           </a:p>
@@ -413,7 +413,7 @@
           <a:p>
             <a:fld id="{4F50CF8C-2C3C-4004-989F-DE494739F234}" type="datetimeFigureOut">
               <a:rPr lang="en-US" smtClean="0"/>
-              <a:t>5/31/2016</a:t>
+              <a:t>6/1/16</a:t>
             </a:fld>
             <a:endParaRPr lang="en-US"/>
           </a:p>
@@ -593,7 +593,7 @@
           <a:p>
             <a:fld id="{4F50CF8C-2C3C-4004-989F-DE494739F234}" type="datetimeFigureOut">
               <a:rPr lang="en-US" smtClean="0"/>
-              <a:t>5/31/2016</a:t>
+              <a:t>6/1/16</a:t>
             </a:fld>
             <a:endParaRPr lang="en-US"/>
           </a:p>
@@ -763,7 +763,7 @@
           <a:p>
             <a:fld id="{4F50CF8C-2C3C-4004-989F-DE494739F234}" type="datetimeFigureOut">
               <a:rPr lang="en-US" smtClean="0"/>
-              <a:t>5/31/2016</a:t>
+              <a:t>6/1/16</a:t>
             </a:fld>
             <a:endParaRPr lang="en-US"/>
           </a:p>
@@ -1007,7 +1007,7 @@
           <a:p>
             <a:fld id="{4F50CF8C-2C3C-4004-989F-DE494739F234}" type="datetimeFigureOut">
               <a:rPr lang="en-US" smtClean="0"/>
-              <a:t>5/31/2016</a:t>
+              <a:t>6/1/16</a:t>
             </a:fld>
             <a:endParaRPr lang="en-US"/>
           </a:p>
@@ -1239,7 +1239,7 @@
           <a:p>
             <a:fld id="{4F50CF8C-2C3C-4004-989F-DE494739F234}" type="datetimeFigureOut">
               <a:rPr lang="en-US" smtClean="0"/>
-              <a:t>5/31/2016</a:t>
+              <a:t>6/1/16</a:t>
             </a:fld>
             <a:endParaRPr lang="en-US"/>
           </a:p>
@@ -1606,7 +1606,7 @@
           <a:p>
             <a:fld id="{4F50CF8C-2C3C-4004-989F-DE494739F234}" type="datetimeFigureOut">
               <a:rPr lang="en-US" smtClean="0"/>
-              <a:t>5/31/2016</a:t>
+              <a:t>6/1/16</a:t>
             </a:fld>
             <a:endParaRPr lang="en-US"/>
           </a:p>
@@ -1724,7 +1724,7 @@
           <a:p>
             <a:fld id="{4F50CF8C-2C3C-4004-989F-DE494739F234}" type="datetimeFigureOut">
               <a:rPr lang="en-US" smtClean="0"/>
-              <a:t>5/31/2016</a:t>
+              <a:t>6/1/16</a:t>
             </a:fld>
             <a:endParaRPr lang="en-US"/>
           </a:p>
@@ -1819,7 +1819,7 @@
           <a:p>
             <a:fld id="{4F50CF8C-2C3C-4004-989F-DE494739F234}" type="datetimeFigureOut">
               <a:rPr lang="en-US" smtClean="0"/>
-              <a:t>5/31/2016</a:t>
+              <a:t>6/1/16</a:t>
             </a:fld>
             <a:endParaRPr lang="en-US"/>
           </a:p>
@@ -2096,7 +2096,7 @@
           <a:p>
             <a:fld id="{4F50CF8C-2C3C-4004-989F-DE494739F234}" type="datetimeFigureOut">
               <a:rPr lang="en-US" smtClean="0"/>
-              <a:t>5/31/2016</a:t>
+              <a:t>6/1/16</a:t>
             </a:fld>
             <a:endParaRPr lang="en-US"/>
           </a:p>
@@ -2353,7 +2353,7 @@
           <a:p>
             <a:fld id="{4F50CF8C-2C3C-4004-989F-DE494739F234}" type="datetimeFigureOut">
               <a:rPr lang="en-US" smtClean="0"/>
-              <a:t>5/31/2016</a:t>
+              <a:t>6/1/16</a:t>
             </a:fld>
             <a:endParaRPr lang="en-US"/>
           </a:p>
@@ -2566,7 +2566,7 @@
           <a:p>
             <a:fld id="{4F50CF8C-2C3C-4004-989F-DE494739F234}" type="datetimeFigureOut">
               <a:rPr lang="en-US" smtClean="0"/>
-              <a:t>5/31/2016</a:t>
+              <a:t>6/1/16</a:t>
             </a:fld>
             <a:endParaRPr lang="en-US"/>
           </a:p>
@@ -2971,6 +2971,71 @@
           <a:chExt cx="0" cy="0"/>
         </a:xfrm>
       </p:grpSpPr>
+      <p:sp>
+        <p:nvSpPr>
+          <p:cNvPr id="2" name="Rectangle 1"/>
+          <p:cNvSpPr/>
+          <p:nvPr/>
+        </p:nvSpPr>
+        <p:spPr>
+          <a:xfrm>
+            <a:off x="0" y="-1"/>
+            <a:ext cx="21945600" cy="4819455"/>
+          </a:xfrm>
+          <a:prstGeom prst="rect">
+            <a:avLst/>
+          </a:prstGeom>
+          <a:gradFill flip="none" rotWithShape="1">
+            <a:gsLst>
+              <a:gs pos="50000">
+                <a:schemeClr val="accent2">
+                  <a:lumMod val="60000"/>
+                  <a:lumOff val="40000"/>
+                </a:schemeClr>
+              </a:gs>
+              <a:gs pos="0">
+                <a:schemeClr val="accent2">
+                  <a:lumMod val="89000"/>
+                </a:schemeClr>
+              </a:gs>
+              <a:gs pos="0">
+                <a:schemeClr val="accent2"/>
+              </a:gs>
+              <a:gs pos="100000">
+                <a:schemeClr val="accent2"/>
+              </a:gs>
+            </a:gsLst>
+            <a:path path="circle">
+              <a:fillToRect l="100000" t="100000"/>
+            </a:path>
+            <a:tileRect r="-100000" b="-100000"/>
+          </a:gradFill>
+        </p:spPr>
+        <p:style>
+          <a:lnRef idx="2">
+            <a:schemeClr val="accent2">
+              <a:shade val="50000"/>
+            </a:schemeClr>
+          </a:lnRef>
+          <a:fillRef idx="1">
+            <a:schemeClr val="accent2"/>
+          </a:fillRef>
+          <a:effectRef idx="0">
+            <a:schemeClr val="accent2"/>
+          </a:effectRef>
+          <a:fontRef idx="minor">
+            <a:schemeClr val="lt1"/>
+          </a:fontRef>
+        </p:style>
+        <p:txBody>
+          <a:bodyPr rtlCol="0" anchor="ctr"/>
+          <a:lstStyle/>
+          <a:p>
+            <a:pPr algn="ctr"/>
+            <a:endParaRPr lang="en-US" dirty="0"/>
+          </a:p>
+        </p:txBody>
+      </p:sp>
       <p:pic>
         <p:nvPicPr>
           <p:cNvPr id="4" name="Picture 3"/>
@@ -2979,7 +3044,7 @@
           </p:cNvPicPr>
           <p:nvPr/>
         </p:nvPicPr>
-        <p:blipFill>
+        <p:blipFill rotWithShape="1">
           <a:blip r:embed="rId2" cstate="print">
             <a:extLst>
               <a:ext uri="{28A0092B-C50C-407E-A947-70E740481C1C}">
@@ -2987,18 +3052,22 @@
               </a:ext>
             </a:extLst>
           </a:blip>
-          <a:stretch>
-            <a:fillRect/>
-          </a:stretch>
+          <a:srcRect l="2567" t="11851" r="86784" b="23570"/>
+          <a:stretch/>
         </p:blipFill>
         <p:spPr>
           <a:xfrm>
-            <a:off x="-1" y="0"/>
-            <a:ext cx="21959463" cy="4828032"/>
+            <a:off x="653163" y="568138"/>
+            <a:ext cx="2338465" cy="3117954"/>
           </a:xfrm>
           <a:prstGeom prst="rect">
             <a:avLst/>
           </a:prstGeom>
+          <a:ln>
+            <a:solidFill>
+              <a:schemeClr val="accent1"/>
+            </a:solidFill>
+          </a:ln>
         </p:spPr>
       </p:pic>
       <p:pic>
@@ -4207,17 +4276,7 @@
                 <a:latin typeface="Arial" panose="020B0604020202020204" pitchFamily="34" charset="0"/>
                 <a:cs typeface="Arial" panose="020B0604020202020204" pitchFamily="34" charset="0"/>
               </a:rPr>
-              <a:t>Adopts</a:t>
-            </a:r>
-            <a:r>
-              <a:rPr lang="en-US" sz="3000" dirty="0" smtClean="0">
-                <a:solidFill>
-                  <a:schemeClr val="tx1"/>
-                </a:solidFill>
-                <a:latin typeface="Arial" panose="020B0604020202020204" pitchFamily="34" charset="0"/>
-                <a:cs typeface="Arial" panose="020B0604020202020204" pitchFamily="34" charset="0"/>
-              </a:rPr>
-              <a:t> a </a:t>
+              <a:t>Adopts a </a:t>
             </a:r>
             <a:r>
               <a:rPr lang="en-US" sz="3000" b="1" dirty="0" smtClean="0">
@@ -4324,7 +4383,7 @@
         </p:blipFill>
         <p:spPr bwMode="auto">
           <a:xfrm>
-            <a:off x="18089045" y="860902"/>
+            <a:off x="7781189" y="2616564"/>
             <a:ext cx="3659918" cy="947492"/>
           </a:xfrm>
           <a:prstGeom prst="rect">
@@ -4522,6 +4581,250 @@
           </a:prstGeom>
         </p:spPr>
       </p:pic>
+      <p:sp>
+        <p:nvSpPr>
+          <p:cNvPr id="3" name="Rectangle 2"/>
+          <p:cNvSpPr/>
+          <p:nvPr/>
+        </p:nvSpPr>
+        <p:spPr>
+          <a:xfrm>
+            <a:off x="0" y="4254230"/>
+            <a:ext cx="21945600" cy="565223"/>
+          </a:xfrm>
+          <a:prstGeom prst="rect">
+            <a:avLst/>
+          </a:prstGeom>
+          <a:gradFill flip="none" rotWithShape="1">
+            <a:gsLst>
+              <a:gs pos="100000">
+                <a:schemeClr val="bg2">
+                  <a:lumMod val="90000"/>
+                </a:schemeClr>
+              </a:gs>
+              <a:gs pos="67000">
+                <a:schemeClr val="accent3">
+                  <a:lumMod val="75000"/>
+                </a:schemeClr>
+              </a:gs>
+              <a:gs pos="35000">
+                <a:schemeClr val="accent1">
+                  <a:lumMod val="75000"/>
+                </a:schemeClr>
+              </a:gs>
+              <a:gs pos="0">
+                <a:schemeClr val="accent1">
+                  <a:lumMod val="50000"/>
+                </a:schemeClr>
+              </a:gs>
+            </a:gsLst>
+            <a:lin ang="0" scaled="0"/>
+            <a:tileRect/>
+          </a:gradFill>
+        </p:spPr>
+        <p:style>
+          <a:lnRef idx="2">
+            <a:schemeClr val="accent1">
+              <a:shade val="50000"/>
+            </a:schemeClr>
+          </a:lnRef>
+          <a:fillRef idx="1">
+            <a:schemeClr val="accent1"/>
+          </a:fillRef>
+          <a:effectRef idx="0">
+            <a:schemeClr val="accent1"/>
+          </a:effectRef>
+          <a:fontRef idx="minor">
+            <a:schemeClr val="lt1"/>
+          </a:fontRef>
+        </p:style>
+        <p:txBody>
+          <a:bodyPr rtlCol="0" anchor="ctr"/>
+          <a:lstStyle/>
+          <a:p>
+            <a:pPr algn="ctr"/>
+            <a:endParaRPr lang="en-US"/>
+          </a:p>
+        </p:txBody>
+      </p:sp>
+      <p:sp>
+        <p:nvSpPr>
+          <p:cNvPr id="7" name="Rectangle 6"/>
+          <p:cNvSpPr/>
+          <p:nvPr/>
+        </p:nvSpPr>
+        <p:spPr>
+          <a:xfrm>
+            <a:off x="3317777" y="445430"/>
+            <a:ext cx="18436850" cy="1785104"/>
+          </a:xfrm>
+          <a:prstGeom prst="rect">
+            <a:avLst/>
+          </a:prstGeom>
+        </p:spPr>
+        <p:txBody>
+          <a:bodyPr wrap="square">
+            <a:spAutoFit/>
+          </a:bodyPr>
+          <a:lstStyle/>
+          <a:p>
+            <a:r>
+              <a:rPr lang="en-US" sz="5500" b="1" dirty="0">
+                <a:solidFill>
+                  <a:schemeClr val="bg1"/>
+                </a:solidFill>
+                <a:latin typeface="Georgia" charset="0"/>
+                <a:ea typeface="Georgia" charset="0"/>
+                <a:cs typeface="Georgia" charset="0"/>
+              </a:rPr>
+              <a:t>Towards a Secure and Resilient Industrial Control System </a:t>
+            </a:r>
+            <a:r>
+              <a:rPr lang="en-US" sz="5500" b="1" dirty="0" smtClean="0">
+                <a:solidFill>
+                  <a:schemeClr val="bg1"/>
+                </a:solidFill>
+                <a:latin typeface="Georgia" charset="0"/>
+                <a:ea typeface="Georgia" charset="0"/>
+                <a:cs typeface="Georgia" charset="0"/>
+              </a:rPr>
+              <a:t>with Software-Defined </a:t>
+            </a:r>
+            <a:r>
+              <a:rPr lang="en-US" sz="5500" b="1" dirty="0">
+                <a:solidFill>
+                  <a:schemeClr val="bg1"/>
+                </a:solidFill>
+                <a:latin typeface="Georgia" charset="0"/>
+                <a:ea typeface="Georgia" charset="0"/>
+                <a:cs typeface="Georgia" charset="0"/>
+              </a:rPr>
+              <a:t>Networking</a:t>
+            </a:r>
+            <a:endParaRPr lang="en-US" sz="5500" b="1" dirty="0">
+              <a:solidFill>
+                <a:schemeClr val="bg1"/>
+              </a:solidFill>
+              <a:latin typeface="Georgia" charset="0"/>
+              <a:ea typeface="Georgia" charset="0"/>
+              <a:cs typeface="Georgia" charset="0"/>
+            </a:endParaRPr>
+          </a:p>
+        </p:txBody>
+      </p:sp>
+      <p:sp>
+        <p:nvSpPr>
+          <p:cNvPr id="26" name="Rectangle 25"/>
+          <p:cNvSpPr/>
+          <p:nvPr/>
+        </p:nvSpPr>
+        <p:spPr>
+          <a:xfrm>
+            <a:off x="11436254" y="2546449"/>
+            <a:ext cx="10127301" cy="1200329"/>
+          </a:xfrm>
+          <a:prstGeom prst="rect">
+            <a:avLst/>
+          </a:prstGeom>
+        </p:spPr>
+        <p:txBody>
+          <a:bodyPr wrap="square">
+            <a:spAutoFit/>
+          </a:bodyPr>
+          <a:lstStyle/>
+          <a:p>
+            <a:pPr algn="r"/>
+            <a:r>
+              <a:rPr lang="en-US" sz="3600" b="1" dirty="0" err="1" smtClean="0">
+                <a:solidFill>
+                  <a:schemeClr val="bg1"/>
+                </a:solidFill>
+                <a:latin typeface="Georgia" charset="0"/>
+                <a:ea typeface="Georgia" charset="0"/>
+                <a:cs typeface="Georgia" charset="0"/>
+              </a:rPr>
+              <a:t>Jiaqi</a:t>
+            </a:r>
+            <a:r>
+              <a:rPr lang="en-US" sz="3600" b="1" dirty="0" smtClean="0">
+                <a:solidFill>
+                  <a:schemeClr val="bg1"/>
+                </a:solidFill>
+                <a:latin typeface="Georgia" charset="0"/>
+                <a:ea typeface="Georgia" charset="0"/>
+                <a:cs typeface="Georgia" charset="0"/>
+              </a:rPr>
+              <a:t> Yan, Xin Liu, Christopher Hannon,</a:t>
+            </a:r>
+          </a:p>
+          <a:p>
+            <a:pPr algn="r"/>
+            <a:r>
+              <a:rPr lang="en-US" sz="3600" b="1" dirty="0" smtClean="0">
+                <a:solidFill>
+                  <a:schemeClr val="bg1"/>
+                </a:solidFill>
+                <a:latin typeface="Georgia" charset="0"/>
+                <a:ea typeface="Georgia" charset="0"/>
+                <a:cs typeface="Georgia" charset="0"/>
+              </a:rPr>
+              <a:t>Dong (Kevin) </a:t>
+            </a:r>
+            <a:r>
+              <a:rPr lang="en-US" sz="3600" b="1" dirty="0" err="1" smtClean="0">
+                <a:solidFill>
+                  <a:schemeClr val="bg1"/>
+                </a:solidFill>
+                <a:latin typeface="Georgia" charset="0"/>
+                <a:ea typeface="Georgia" charset="0"/>
+                <a:cs typeface="Georgia" charset="0"/>
+              </a:rPr>
+              <a:t>Jin</a:t>
+            </a:r>
+            <a:r>
+              <a:rPr lang="en-US" sz="3600" b="1" dirty="0" smtClean="0">
+                <a:solidFill>
+                  <a:schemeClr val="bg1"/>
+                </a:solidFill>
+                <a:latin typeface="Georgia" charset="0"/>
+                <a:ea typeface="Georgia" charset="0"/>
+                <a:cs typeface="Georgia" charset="0"/>
+              </a:rPr>
+              <a:t>, </a:t>
+            </a:r>
+            <a:r>
+              <a:rPr lang="en-US" sz="3600" b="1" dirty="0" err="1" smtClean="0">
+                <a:solidFill>
+                  <a:schemeClr val="bg1"/>
+                </a:solidFill>
+                <a:latin typeface="Georgia" charset="0"/>
+                <a:ea typeface="Georgia" charset="0"/>
+                <a:cs typeface="Georgia" charset="0"/>
+              </a:rPr>
+              <a:t>Cheol</a:t>
+            </a:r>
+            <a:r>
+              <a:rPr lang="en-US" sz="3600" b="1" dirty="0" smtClean="0">
+                <a:solidFill>
+                  <a:schemeClr val="bg1"/>
+                </a:solidFill>
+                <a:latin typeface="Georgia" charset="0"/>
+                <a:ea typeface="Georgia" charset="0"/>
+                <a:cs typeface="Georgia" charset="0"/>
+              </a:rPr>
+              <a:t> Won Lee</a:t>
+            </a:r>
+            <a:endParaRPr lang="en-US" sz="3600" b="1" dirty="0">
+              <a:solidFill>
+                <a:schemeClr val="bg1"/>
+              </a:solidFill>
+              <a:latin typeface="Georgia" charset="0"/>
+              <a:ea typeface="Georgia" charset="0"/>
+              <a:cs typeface="Georgia" charset="0"/>
+            </a:endParaRPr>
+          </a:p>
+        </p:txBody>
+      </p:sp>
     </p:spTree>
     <p:extLst>
       <p:ext uri="{BB962C8B-B14F-4D97-AF65-F5344CB8AC3E}">

--- a/SoSSDN Poster Template.pptx
+++ b/SoSSDN Poster Template.pptx
@@ -243,7 +243,7 @@
           <a:p>
             <a:fld id="{4F50CF8C-2C3C-4004-989F-DE494739F234}" type="datetimeFigureOut">
               <a:rPr lang="en-US" smtClean="0"/>
-              <a:t>6/1/16</a:t>
+              <a:t>6/1/2016</a:t>
             </a:fld>
             <a:endParaRPr lang="en-US"/>
           </a:p>
@@ -413,7 +413,7 @@
           <a:p>
             <a:fld id="{4F50CF8C-2C3C-4004-989F-DE494739F234}" type="datetimeFigureOut">
               <a:rPr lang="en-US" smtClean="0"/>
-              <a:t>6/1/16</a:t>
+              <a:t>6/1/2016</a:t>
             </a:fld>
             <a:endParaRPr lang="en-US"/>
           </a:p>
@@ -593,7 +593,7 @@
           <a:p>
             <a:fld id="{4F50CF8C-2C3C-4004-989F-DE494739F234}" type="datetimeFigureOut">
               <a:rPr lang="en-US" smtClean="0"/>
-              <a:t>6/1/16</a:t>
+              <a:t>6/1/2016</a:t>
             </a:fld>
             <a:endParaRPr lang="en-US"/>
           </a:p>
@@ -763,7 +763,7 @@
           <a:p>
             <a:fld id="{4F50CF8C-2C3C-4004-989F-DE494739F234}" type="datetimeFigureOut">
               <a:rPr lang="en-US" smtClean="0"/>
-              <a:t>6/1/16</a:t>
+              <a:t>6/1/2016</a:t>
             </a:fld>
             <a:endParaRPr lang="en-US"/>
           </a:p>
@@ -1007,7 +1007,7 @@
           <a:p>
             <a:fld id="{4F50CF8C-2C3C-4004-989F-DE494739F234}" type="datetimeFigureOut">
               <a:rPr lang="en-US" smtClean="0"/>
-              <a:t>6/1/16</a:t>
+              <a:t>6/1/2016</a:t>
             </a:fld>
             <a:endParaRPr lang="en-US"/>
           </a:p>
@@ -1239,7 +1239,7 @@
           <a:p>
             <a:fld id="{4F50CF8C-2C3C-4004-989F-DE494739F234}" type="datetimeFigureOut">
               <a:rPr lang="en-US" smtClean="0"/>
-              <a:t>6/1/16</a:t>
+              <a:t>6/1/2016</a:t>
             </a:fld>
             <a:endParaRPr lang="en-US"/>
           </a:p>
@@ -1606,7 +1606,7 @@
           <a:p>
             <a:fld id="{4F50CF8C-2C3C-4004-989F-DE494739F234}" type="datetimeFigureOut">
               <a:rPr lang="en-US" smtClean="0"/>
-              <a:t>6/1/16</a:t>
+              <a:t>6/1/2016</a:t>
             </a:fld>
             <a:endParaRPr lang="en-US"/>
           </a:p>
@@ -1724,7 +1724,7 @@
           <a:p>
             <a:fld id="{4F50CF8C-2C3C-4004-989F-DE494739F234}" type="datetimeFigureOut">
               <a:rPr lang="en-US" smtClean="0"/>
-              <a:t>6/1/16</a:t>
+              <a:t>6/1/2016</a:t>
             </a:fld>
             <a:endParaRPr lang="en-US"/>
           </a:p>
@@ -1819,7 +1819,7 @@
           <a:p>
             <a:fld id="{4F50CF8C-2C3C-4004-989F-DE494739F234}" type="datetimeFigureOut">
               <a:rPr lang="en-US" smtClean="0"/>
-              <a:t>6/1/16</a:t>
+              <a:t>6/1/2016</a:t>
             </a:fld>
             <a:endParaRPr lang="en-US"/>
           </a:p>
@@ -2096,7 +2096,7 @@
           <a:p>
             <a:fld id="{4F50CF8C-2C3C-4004-989F-DE494739F234}" type="datetimeFigureOut">
               <a:rPr lang="en-US" smtClean="0"/>
-              <a:t>6/1/16</a:t>
+              <a:t>6/1/2016</a:t>
             </a:fld>
             <a:endParaRPr lang="en-US"/>
           </a:p>
@@ -2353,7 +2353,7 @@
           <a:p>
             <a:fld id="{4F50CF8C-2C3C-4004-989F-DE494739F234}" type="datetimeFigureOut">
               <a:rPr lang="en-US" smtClean="0"/>
-              <a:t>6/1/16</a:t>
+              <a:t>6/1/2016</a:t>
             </a:fld>
             <a:endParaRPr lang="en-US"/>
           </a:p>
@@ -2566,7 +2566,7 @@
           <a:p>
             <a:fld id="{4F50CF8C-2C3C-4004-989F-DE494739F234}" type="datetimeFigureOut">
               <a:rPr lang="en-US" smtClean="0"/>
-              <a:t>6/1/16</a:t>
+              <a:t>6/1/2016</a:t>
             </a:fld>
             <a:endParaRPr lang="en-US"/>
           </a:p>
@@ -4701,14 +4701,6 @@
               </a:rPr>
               <a:t>Networking</a:t>
             </a:r>
-            <a:endParaRPr lang="en-US" sz="5500" b="1" dirty="0">
-              <a:solidFill>
-                <a:schemeClr val="bg1"/>
-              </a:solidFill>
-              <a:latin typeface="Georgia" charset="0"/>
-              <a:ea typeface="Georgia" charset="0"/>
-              <a:cs typeface="Georgia" charset="0"/>
-            </a:endParaRPr>
           </a:p>
         </p:txBody>
       </p:sp>
